--- a/Adult income prediction.pptx
+++ b/Adult income prediction.pptx
@@ -5,10 +5,10 @@
     <p:sldMasterId id="2147483672" r:id="rId1"/>
   </p:sldMasterIdLst>
   <p:notesMasterIdLst>
-    <p:notesMasterId r:id="rId13"/>
+    <p:notesMasterId r:id="rId17"/>
   </p:notesMasterIdLst>
   <p:handoutMasterIdLst>
-    <p:handoutMasterId r:id="rId14"/>
+    <p:handoutMasterId r:id="rId18"/>
   </p:handoutMasterIdLst>
   <p:sldIdLst>
     <p:sldId id="256" r:id="rId2"/>
@@ -17,11 +17,15 @@
     <p:sldId id="265" r:id="rId5"/>
     <p:sldId id="266" r:id="rId6"/>
     <p:sldId id="263" r:id="rId7"/>
-    <p:sldId id="267" r:id="rId8"/>
-    <p:sldId id="272" r:id="rId9"/>
-    <p:sldId id="268" r:id="rId10"/>
-    <p:sldId id="269" r:id="rId11"/>
-    <p:sldId id="260" r:id="rId12"/>
+    <p:sldId id="274" r:id="rId8"/>
+    <p:sldId id="273" r:id="rId9"/>
+    <p:sldId id="277" r:id="rId10"/>
+    <p:sldId id="275" r:id="rId11"/>
+    <p:sldId id="268" r:id="rId12"/>
+    <p:sldId id="276" r:id="rId13"/>
+    <p:sldId id="278" r:id="rId14"/>
+    <p:sldId id="279" r:id="rId15"/>
+    <p:sldId id="260" r:id="rId16"/>
   </p:sldIdLst>
   <p:sldSz cx="12192000" cy="6858000"/>
   <p:notesSz cx="6858000" cy="9144000"/>
@@ -225,7 +229,7 @@
           <a:p>
             <a:fld id="{AF869721-F543-4A6C-BF9D-65D7CC540427}" type="datetimeFigureOut">
               <a:rPr lang="en-US" smtClean="0"/>
-              <a:t>4/28/2022</a:t>
+              <a:t>6/17/2022</a:t>
             </a:fld>
             <a:endParaRPr lang="en-US" dirty="0"/>
           </a:p>
@@ -402,7 +406,7 @@
           <a:p>
             <a:fld id="{C732326A-4C88-4AFB-AA5B-5919D81DFF5B}" type="datetimeFigureOut">
               <a:rPr lang="en-US" smtClean="0"/>
-              <a:t>4/28/2022</a:t>
+              <a:t>6/17/2022</a:t>
             </a:fld>
             <a:endParaRPr lang="en-US" dirty="0"/>
           </a:p>
@@ -818,7 +822,7 @@
           <a:p>
             <a:fld id="{C6B3AB32-59DF-41F1-9618-EDFBF5049629}" type="slidenum">
               <a:rPr lang="en-US" smtClean="0"/>
-              <a:t>11</a:t>
+              <a:t>15</a:t>
             </a:fld>
             <a:endParaRPr lang="en-US" dirty="0"/>
           </a:p>
@@ -1083,7 +1087,7 @@
             <a:fld id="{B61BEF0D-F0BB-DE4B-95CE-6DB70DBA9567}" type="datetimeFigureOut">
               <a:rPr lang="en-US" smtClean="0"/>
               <a:pPr/>
-              <a:t>4/28/2022</a:t>
+              <a:t>6/17/2022</a:t>
             </a:fld>
             <a:endParaRPr lang="en-US" dirty="0"/>
           </a:p>
@@ -1347,7 +1351,7 @@
             <a:fld id="{B61BEF0D-F0BB-DE4B-95CE-6DB70DBA9567}" type="datetimeFigureOut">
               <a:rPr lang="en-US" smtClean="0"/>
               <a:pPr/>
-              <a:t>4/28/2022</a:t>
+              <a:t>6/17/2022</a:t>
             </a:fld>
             <a:endParaRPr lang="en-US" dirty="0"/>
           </a:p>
@@ -1584,7 +1588,7 @@
             <a:fld id="{B61BEF0D-F0BB-DE4B-95CE-6DB70DBA9567}" type="datetimeFigureOut">
               <a:rPr lang="en-US" smtClean="0"/>
               <a:pPr/>
-              <a:t>4/28/2022</a:t>
+              <a:t>6/17/2022</a:t>
             </a:fld>
             <a:endParaRPr lang="en-US" dirty="0"/>
           </a:p>
@@ -1826,7 +1830,7 @@
             <a:fld id="{B61BEF0D-F0BB-DE4B-95CE-6DB70DBA9567}" type="datetimeFigureOut">
               <a:rPr lang="en-US" smtClean="0"/>
               <a:pPr/>
-              <a:t>4/28/2022</a:t>
+              <a:t>6/17/2022</a:t>
             </a:fld>
             <a:endParaRPr lang="en-US" dirty="0"/>
           </a:p>
@@ -2135,7 +2139,7 @@
             <a:fld id="{B61BEF0D-F0BB-DE4B-95CE-6DB70DBA9567}" type="datetimeFigureOut">
               <a:rPr lang="en-US" smtClean="0"/>
               <a:pPr/>
-              <a:t>4/28/2022</a:t>
+              <a:t>6/17/2022</a:t>
             </a:fld>
             <a:endParaRPr lang="en-US" dirty="0"/>
           </a:p>
@@ -2439,7 +2443,7 @@
             <a:fld id="{B61BEF0D-F0BB-DE4B-95CE-6DB70DBA9567}" type="datetimeFigureOut">
               <a:rPr lang="en-US" smtClean="0"/>
               <a:pPr/>
-              <a:t>4/28/2022</a:t>
+              <a:t>6/17/2022</a:t>
             </a:fld>
             <a:endParaRPr lang="en-US" dirty="0"/>
           </a:p>
@@ -2863,7 +2867,7 @@
             <a:fld id="{B61BEF0D-F0BB-DE4B-95CE-6DB70DBA9567}" type="datetimeFigureOut">
               <a:rPr lang="en-US" smtClean="0"/>
               <a:pPr/>
-              <a:t>4/28/2022</a:t>
+              <a:t>6/17/2022</a:t>
             </a:fld>
             <a:endParaRPr lang="en-US" dirty="0"/>
           </a:p>
@@ -2960,7 +2964,7 @@
             <a:fld id="{B61BEF0D-F0BB-DE4B-95CE-6DB70DBA9567}" type="datetimeFigureOut">
               <a:rPr lang="en-US" smtClean="0"/>
               <a:pPr/>
-              <a:t>4/28/2022</a:t>
+              <a:t>6/17/2022</a:t>
             </a:fld>
             <a:endParaRPr lang="en-US" dirty="0"/>
           </a:p>
@@ -3124,7 +3128,7 @@
             <a:fld id="{B61BEF0D-F0BB-DE4B-95CE-6DB70DBA9567}" type="datetimeFigureOut">
               <a:rPr lang="en-US" smtClean="0"/>
               <a:pPr/>
-              <a:t>4/28/2022</a:t>
+              <a:t>6/17/2022</a:t>
             </a:fld>
             <a:endParaRPr lang="en-US" dirty="0"/>
           </a:p>
@@ -3504,7 +3508,7 @@
             <a:fld id="{B61BEF0D-F0BB-DE4B-95CE-6DB70DBA9567}" type="datetimeFigureOut">
               <a:rPr lang="en-US" smtClean="0"/>
               <a:pPr/>
-              <a:t>4/28/2022</a:t>
+              <a:t>6/17/2022</a:t>
             </a:fld>
             <a:endParaRPr lang="en-US" dirty="0"/>
           </a:p>
@@ -3795,7 +3799,7 @@
             <a:fld id="{B61BEF0D-F0BB-DE4B-95CE-6DB70DBA9567}" type="datetimeFigureOut">
               <a:rPr lang="en-US" smtClean="0"/>
               <a:pPr/>
-              <a:t>4/28/2022</a:t>
+              <a:t>6/17/2022</a:t>
             </a:fld>
             <a:endParaRPr lang="en-US" dirty="0"/>
           </a:p>
@@ -4011,7 +4015,7 @@
             <a:fld id="{B61BEF0D-F0BB-DE4B-95CE-6DB70DBA9567}" type="datetimeFigureOut">
               <a:rPr lang="en-US" smtClean="0"/>
               <a:pPr/>
-              <a:t>4/28/2022</a:t>
+              <a:t>6/17/2022</a:t>
             </a:fld>
             <a:endParaRPr lang="en-US" dirty="0"/>
           </a:p>
@@ -5061,302 +5065,40 @@
           <a:chExt cx="0" cy="0"/>
         </a:xfrm>
       </p:grpSpPr>
-      <p:sp>
-        <p:nvSpPr>
-          <p:cNvPr id="2" name="TextBox 1">
+      <p:pic>
+        <p:nvPicPr>
+          <p:cNvPr id="3" name="Picture 2">
             <a:extLst>
               <a:ext uri="{FF2B5EF4-FFF2-40B4-BE49-F238E27FC236}">
-                <a16:creationId xmlns:a16="http://schemas.microsoft.com/office/drawing/2014/main" id="{8DD5D9EF-F0E4-44DD-BA05-5EB545B0E4EF}"/>
+                <a16:creationId xmlns:a16="http://schemas.microsoft.com/office/drawing/2014/main" id="{D264752B-2F98-1FED-1ED2-FF81707EEF9F}"/>
               </a:ext>
             </a:extLst>
           </p:cNvPr>
-          <p:cNvSpPr txBox="1"/>
+          <p:cNvPicPr>
+            <a:picLocks noChangeAspect="1"/>
+          </p:cNvPicPr>
           <p:nvPr/>
-        </p:nvSpPr>
-        <p:spPr>
-          <a:xfrm rot="10800000" flipV="1">
-            <a:off x="561860" y="593160"/>
-            <a:ext cx="2732183" cy="400110"/>
+        </p:nvPicPr>
+        <p:blipFill>
+          <a:blip r:embed="rId2"/>
+          <a:stretch>
+            <a:fillRect/>
+          </a:stretch>
+        </p:blipFill>
+        <p:spPr>
+          <a:xfrm>
+            <a:off x="402469" y="167670"/>
+            <a:ext cx="11387061" cy="6522660"/>
           </a:xfrm>
           <a:prstGeom prst="rect">
             <a:avLst/>
           </a:prstGeom>
-          <a:noFill/>
-        </p:spPr>
-        <p:txBody>
-          <a:bodyPr wrap="square" rtlCol="0">
-            <a:spAutoFit/>
-          </a:bodyPr>
-          <a:lstStyle/>
-          <a:p>
-            <a:r>
-              <a:rPr lang="en-US" sz="2000" dirty="0">
-                <a:solidFill>
-                  <a:srgbClr val="FFFF00"/>
-                </a:solidFill>
-                <a:latin typeface="Baguet Script" panose="00000500000000000000" pitchFamily="2" charset="0"/>
-              </a:rPr>
-              <a:t>Model Evaluation</a:t>
-            </a:r>
-            <a:endParaRPr lang="en-US" dirty="0">
-              <a:solidFill>
-                <a:srgbClr val="FFFF00"/>
-              </a:solidFill>
-              <a:latin typeface="Baguet Script" panose="00000500000000000000" pitchFamily="2" charset="0"/>
-            </a:endParaRPr>
-          </a:p>
-        </p:txBody>
-      </p:sp>
-      <p:graphicFrame>
-        <p:nvGraphicFramePr>
-          <p:cNvPr id="3" name="Table 3">
-            <a:extLst>
-              <a:ext uri="{FF2B5EF4-FFF2-40B4-BE49-F238E27FC236}">
-                <a16:creationId xmlns:a16="http://schemas.microsoft.com/office/drawing/2014/main" id="{5634A8A1-AD3E-4A53-8BE6-529B2D4F9425}"/>
-              </a:ext>
-            </a:extLst>
-          </p:cNvPr>
-          <p:cNvGraphicFramePr>
-            <a:graphicFrameLocks noGrp="1"/>
-          </p:cNvGraphicFramePr>
-          <p:nvPr>
-            <p:extLst>
-              <p:ext uri="{D42A27DB-BD31-4B8C-83A1-F6EECF244321}">
-                <p14:modId xmlns:p14="http://schemas.microsoft.com/office/powerpoint/2010/main" val="3229365357"/>
-              </p:ext>
-            </p:extLst>
-          </p:nvPr>
-        </p:nvGraphicFramePr>
-        <p:xfrm>
-          <a:off x="1540918" y="1721151"/>
-          <a:ext cx="9110164" cy="3874104"/>
-        </p:xfrm>
-        <a:graphic>
-          <a:graphicData uri="http://schemas.openxmlformats.org/drawingml/2006/table">
-            <a:tbl>
-              <a:tblPr firstRow="1" bandRow="1">
-                <a:tableStyleId>{F5AB1C69-6EDB-4FF4-983F-18BD219EF322}</a:tableStyleId>
-              </a:tblPr>
-              <a:tblGrid>
-                <a:gridCol w="4555082">
-                  <a:extLst>
-                    <a:ext uri="{9D8B030D-6E8A-4147-A177-3AD203B41FA5}">
-                      <a16:colId xmlns:a16="http://schemas.microsoft.com/office/drawing/2014/main" val="943673120"/>
-                    </a:ext>
-                  </a:extLst>
-                </a:gridCol>
-                <a:gridCol w="4555082">
-                  <a:extLst>
-                    <a:ext uri="{9D8B030D-6E8A-4147-A177-3AD203B41FA5}">
-                      <a16:colId xmlns:a16="http://schemas.microsoft.com/office/drawing/2014/main" val="3360275090"/>
-                    </a:ext>
-                  </a:extLst>
-                </a:gridCol>
-              </a:tblGrid>
-              <a:tr h="968526">
-                <a:tc>
-                  <a:txBody>
-                    <a:bodyPr/>
-                    <a:lstStyle/>
-                    <a:p>
-                      <a:pPr algn="ctr"/>
-                      <a:r>
-                        <a:rPr lang="en-US" sz="2800" b="1" dirty="0">
-                          <a:solidFill>
-                            <a:schemeClr val="accent1">
-                              <a:lumMod val="75000"/>
-                            </a:schemeClr>
-                          </a:solidFill>
-                          <a:latin typeface="Bell MT" panose="02020503060305020303" pitchFamily="18" charset="0"/>
-                        </a:rPr>
-                        <a:t>Model</a:t>
-                      </a:r>
-                    </a:p>
-                  </a:txBody>
-                  <a:tcPr anchor="ctr"/>
-                </a:tc>
-                <a:tc>
-                  <a:txBody>
-                    <a:bodyPr/>
-                    <a:lstStyle/>
-                    <a:p>
-                      <a:pPr algn="ctr"/>
-                      <a:r>
-                        <a:rPr lang="en-US" sz="2800" b="1" dirty="0">
-                          <a:solidFill>
-                            <a:schemeClr val="accent1">
-                              <a:lumMod val="75000"/>
-                            </a:schemeClr>
-                          </a:solidFill>
-                          <a:latin typeface="Bell MT" panose="02020503060305020303" pitchFamily="18" charset="0"/>
-                        </a:rPr>
-                        <a:t>Accuracy</a:t>
-                      </a:r>
-                    </a:p>
-                  </a:txBody>
-                  <a:tcPr anchor="ctr"/>
-                </a:tc>
-                <a:extLst>
-                  <a:ext uri="{0D108BD9-81ED-4DB2-BD59-A6C34878D82A}">
-                    <a16:rowId xmlns:a16="http://schemas.microsoft.com/office/drawing/2014/main" val="3760788397"/>
-                  </a:ext>
-                </a:extLst>
-              </a:tr>
-              <a:tr h="968526">
-                <a:tc>
-                  <a:txBody>
-                    <a:bodyPr/>
-                    <a:lstStyle/>
-                    <a:p>
-                      <a:pPr algn="ctr"/>
-                      <a:r>
-                        <a:rPr lang="en-US" sz="2800" b="1" dirty="0">
-                          <a:solidFill>
-                            <a:schemeClr val="accent1">
-                              <a:lumMod val="75000"/>
-                            </a:schemeClr>
-                          </a:solidFill>
-                          <a:latin typeface="Bell MT" panose="02020503060305020303" pitchFamily="18" charset="0"/>
-                        </a:rPr>
-                        <a:t>Logistic Regression</a:t>
-                      </a:r>
-                    </a:p>
-                  </a:txBody>
-                  <a:tcPr anchor="ctr"/>
-                </a:tc>
-                <a:tc>
-                  <a:txBody>
-                    <a:bodyPr/>
-                    <a:lstStyle/>
-                    <a:p>
-                      <a:pPr algn="ctr"/>
-                      <a:r>
-                        <a:rPr lang="en-US" sz="2800" b="1" dirty="0">
-                          <a:solidFill>
-                            <a:schemeClr val="accent1">
-                              <a:lumMod val="75000"/>
-                            </a:schemeClr>
-                          </a:solidFill>
-                          <a:latin typeface="Bell MT" panose="02020503060305020303" pitchFamily="18" charset="0"/>
-                        </a:rPr>
-                        <a:t>84%</a:t>
-                      </a:r>
-                    </a:p>
-                  </a:txBody>
-                  <a:tcPr anchor="ctr"/>
-                </a:tc>
-                <a:extLst>
-                  <a:ext uri="{0D108BD9-81ED-4DB2-BD59-A6C34878D82A}">
-                    <a16:rowId xmlns:a16="http://schemas.microsoft.com/office/drawing/2014/main" val="3458346637"/>
-                  </a:ext>
-                </a:extLst>
-              </a:tr>
-              <a:tr h="968526">
-                <a:tc>
-                  <a:txBody>
-                    <a:bodyPr/>
-                    <a:lstStyle/>
-                    <a:p>
-                      <a:pPr algn="ctr"/>
-                      <a:r>
-                        <a:rPr lang="en-US" sz="2800" b="1" dirty="0">
-                          <a:solidFill>
-                            <a:schemeClr val="accent1">
-                              <a:lumMod val="75000"/>
-                            </a:schemeClr>
-                          </a:solidFill>
-                          <a:latin typeface="Bell MT" panose="02020503060305020303" pitchFamily="18" charset="0"/>
-                        </a:rPr>
-                        <a:t>Decision Tree</a:t>
-                      </a:r>
-                    </a:p>
-                  </a:txBody>
-                  <a:tcPr anchor="ctr"/>
-                </a:tc>
-                <a:tc>
-                  <a:txBody>
-                    <a:bodyPr/>
-                    <a:lstStyle/>
-                    <a:p>
-                      <a:pPr algn="ctr"/>
-                      <a:r>
-                        <a:rPr lang="en-US" sz="2800" b="1" dirty="0">
-                          <a:solidFill>
-                            <a:schemeClr val="accent1">
-                              <a:lumMod val="75000"/>
-                            </a:schemeClr>
-                          </a:solidFill>
-                          <a:latin typeface="Bell MT" panose="02020503060305020303" pitchFamily="18" charset="0"/>
-                        </a:rPr>
-                        <a:t>81%</a:t>
-                      </a:r>
-                    </a:p>
-                  </a:txBody>
-                  <a:tcPr anchor="ctr"/>
-                </a:tc>
-                <a:extLst>
-                  <a:ext uri="{0D108BD9-81ED-4DB2-BD59-A6C34878D82A}">
-                    <a16:rowId xmlns:a16="http://schemas.microsoft.com/office/drawing/2014/main" val="3258303275"/>
-                  </a:ext>
-                </a:extLst>
-              </a:tr>
-              <a:tr h="968526">
-                <a:tc>
-                  <a:txBody>
-                    <a:bodyPr/>
-                    <a:lstStyle/>
-                    <a:p>
-                      <a:pPr algn="ctr"/>
-                      <a:r>
-                        <a:rPr lang="en-US" sz="2800" b="1" dirty="0">
-                          <a:solidFill>
-                            <a:schemeClr val="accent1">
-                              <a:lumMod val="75000"/>
-                            </a:schemeClr>
-                          </a:solidFill>
-                          <a:latin typeface="Bell MT" panose="02020503060305020303" pitchFamily="18" charset="0"/>
-                        </a:rPr>
-                        <a:t>Random Forest</a:t>
-                      </a:r>
-                    </a:p>
-                  </a:txBody>
-                  <a:tcPr anchor="ctr"/>
-                </a:tc>
-                <a:tc>
-                  <a:txBody>
-                    <a:bodyPr/>
-                    <a:lstStyle/>
-                    <a:p>
-                      <a:pPr algn="ctr"/>
-                      <a:r>
-                        <a:rPr lang="en-US" sz="2800" b="1" dirty="0">
-                          <a:solidFill>
-                            <a:schemeClr val="accent1">
-                              <a:lumMod val="75000"/>
-                            </a:schemeClr>
-                          </a:solidFill>
-                          <a:latin typeface="Bell MT" panose="02020503060305020303" pitchFamily="18" charset="0"/>
-                        </a:rPr>
-                        <a:t>85%</a:t>
-                      </a:r>
-                    </a:p>
-                  </a:txBody>
-                  <a:tcPr anchor="ctr"/>
-                </a:tc>
-                <a:extLst>
-                  <a:ext uri="{0D108BD9-81ED-4DB2-BD59-A6C34878D82A}">
-                    <a16:rowId xmlns:a16="http://schemas.microsoft.com/office/drawing/2014/main" val="2709937897"/>
-                  </a:ext>
-                </a:extLst>
-              </a:tr>
-            </a:tbl>
-          </a:graphicData>
-        </a:graphic>
-      </p:graphicFrame>
+        </p:spPr>
+      </p:pic>
     </p:spTree>
     <p:extLst>
       <p:ext uri="{BB962C8B-B14F-4D97-AF65-F5344CB8AC3E}">
-        <p14:creationId xmlns:p14="http://schemas.microsoft.com/office/powerpoint/2010/main" val="363678202"/>
+        <p14:creationId xmlns:p14="http://schemas.microsoft.com/office/powerpoint/2010/main" val="1830022037"/>
       </p:ext>
     </p:extLst>
   </p:cSld>
@@ -5367,6 +5109,955 @@
 </file>
 
 <file path=ppt/slides/slide11.xml><?xml version="1.0" encoding="utf-8"?>
+<p:sld xmlns:a="http://schemas.openxmlformats.org/drawingml/2006/main" xmlns:r="http://schemas.openxmlformats.org/officeDocument/2006/relationships" xmlns:p="http://schemas.openxmlformats.org/presentationml/2006/main">
+  <p:cSld>
+    <p:spTree>
+      <p:nvGrpSpPr>
+        <p:cNvPr id="1" name=""/>
+        <p:cNvGrpSpPr/>
+        <p:nvPr/>
+      </p:nvGrpSpPr>
+      <p:grpSpPr>
+        <a:xfrm>
+          <a:off x="0" y="0"/>
+          <a:ext cx="0" cy="0"/>
+          <a:chOff x="0" y="0"/>
+          <a:chExt cx="0" cy="0"/>
+        </a:xfrm>
+      </p:grpSpPr>
+      <p:sp>
+        <p:nvSpPr>
+          <p:cNvPr id="2" name="TextBox 1">
+            <a:extLst>
+              <a:ext uri="{FF2B5EF4-FFF2-40B4-BE49-F238E27FC236}">
+                <a16:creationId xmlns:a16="http://schemas.microsoft.com/office/drawing/2014/main" id="{8DD5D9EF-F0E4-44DD-BA05-5EB545B0E4EF}"/>
+              </a:ext>
+            </a:extLst>
+          </p:cNvPr>
+          <p:cNvSpPr txBox="1"/>
+          <p:nvPr/>
+        </p:nvSpPr>
+        <p:spPr>
+          <a:xfrm rot="10800000" flipV="1">
+            <a:off x="561860" y="593160"/>
+            <a:ext cx="2732183" cy="400110"/>
+          </a:xfrm>
+          <a:prstGeom prst="rect">
+            <a:avLst/>
+          </a:prstGeom>
+          <a:noFill/>
+        </p:spPr>
+        <p:txBody>
+          <a:bodyPr wrap="square" rtlCol="0">
+            <a:spAutoFit/>
+          </a:bodyPr>
+          <a:lstStyle/>
+          <a:p>
+            <a:r>
+              <a:rPr lang="en-US" sz="2000" dirty="0">
+                <a:solidFill>
+                  <a:srgbClr val="FFFF00"/>
+                </a:solidFill>
+                <a:latin typeface="Baguet Script" panose="00000500000000000000" pitchFamily="2" charset="0"/>
+              </a:rPr>
+              <a:t>Data Assessment</a:t>
+            </a:r>
+            <a:endParaRPr lang="en-US" dirty="0">
+              <a:solidFill>
+                <a:srgbClr val="FFFF00"/>
+              </a:solidFill>
+              <a:latin typeface="Baguet Script" panose="00000500000000000000" pitchFamily="2" charset="0"/>
+            </a:endParaRPr>
+          </a:p>
+        </p:txBody>
+      </p:sp>
+      <p:sp>
+        <p:nvSpPr>
+          <p:cNvPr id="5" name="TextBox 4">
+            <a:extLst>
+              <a:ext uri="{FF2B5EF4-FFF2-40B4-BE49-F238E27FC236}">
+                <a16:creationId xmlns:a16="http://schemas.microsoft.com/office/drawing/2014/main" id="{1B59AA98-A85A-4810-99CC-E7AA7838CADF}"/>
+              </a:ext>
+            </a:extLst>
+          </p:cNvPr>
+          <p:cNvSpPr txBox="1"/>
+          <p:nvPr/>
+        </p:nvSpPr>
+        <p:spPr>
+          <a:xfrm>
+            <a:off x="7146069" y="1443841"/>
+            <a:ext cx="4408715" cy="4708981"/>
+          </a:xfrm>
+          <a:prstGeom prst="rect">
+            <a:avLst/>
+          </a:prstGeom>
+          <a:noFill/>
+        </p:spPr>
+        <p:txBody>
+          <a:bodyPr wrap="square" rtlCol="0">
+            <a:spAutoFit/>
+          </a:bodyPr>
+          <a:lstStyle/>
+          <a:p>
+            <a:r>
+              <a:rPr lang="en-US" sz="3600" dirty="0">
+                <a:solidFill>
+                  <a:srgbClr val="00B0F0"/>
+                </a:solidFill>
+                <a:latin typeface="Bell MT" panose="02020503060305020303" pitchFamily="18" charset="0"/>
+              </a:rPr>
+              <a:t>The correlation matrix shows that income has high correlation with</a:t>
+            </a:r>
+          </a:p>
+          <a:p>
+            <a:endParaRPr lang="en-US" sz="3600" dirty="0">
+              <a:solidFill>
+                <a:srgbClr val="00B0F0"/>
+              </a:solidFill>
+              <a:latin typeface="Bell MT" panose="02020503060305020303" pitchFamily="18" charset="0"/>
+            </a:endParaRPr>
+          </a:p>
+          <a:p>
+            <a:pPr marL="571500" indent="-571500">
+              <a:buFont typeface="Wingdings" panose="05000000000000000000" pitchFamily="2" charset="2"/>
+              <a:buChar char="ü"/>
+            </a:pPr>
+            <a:r>
+              <a:rPr lang="en-US" sz="4000" b="1" dirty="0">
+                <a:solidFill>
+                  <a:schemeClr val="accent3"/>
+                </a:solidFill>
+                <a:latin typeface="Bell MT" panose="02020503060305020303" pitchFamily="18" charset="0"/>
+              </a:rPr>
+              <a:t> </a:t>
+            </a:r>
+            <a:r>
+              <a:rPr lang="en-US" sz="3600" b="1" dirty="0">
+                <a:solidFill>
+                  <a:schemeClr val="accent3"/>
+                </a:solidFill>
+                <a:latin typeface="Bell MT" panose="02020503060305020303" pitchFamily="18" charset="0"/>
+              </a:rPr>
+              <a:t>educational-num</a:t>
+            </a:r>
+          </a:p>
+          <a:p>
+            <a:pPr marL="571500" indent="-571500">
+              <a:buFont typeface="Wingdings" panose="05000000000000000000" pitchFamily="2" charset="2"/>
+              <a:buChar char="ü"/>
+            </a:pPr>
+            <a:r>
+              <a:rPr lang="en-US" sz="4000" b="1" dirty="0">
+                <a:solidFill>
+                  <a:schemeClr val="accent3"/>
+                </a:solidFill>
+                <a:latin typeface="Bell MT" panose="02020503060305020303" pitchFamily="18" charset="0"/>
+              </a:rPr>
+              <a:t>Age</a:t>
+            </a:r>
+          </a:p>
+          <a:p>
+            <a:pPr marL="571500" indent="-571500">
+              <a:buFont typeface="Wingdings" panose="05000000000000000000" pitchFamily="2" charset="2"/>
+              <a:buChar char="ü"/>
+            </a:pPr>
+            <a:r>
+              <a:rPr lang="en-US" sz="4000" b="1" dirty="0">
+                <a:solidFill>
+                  <a:schemeClr val="accent3"/>
+                </a:solidFill>
+                <a:latin typeface="Bell MT" panose="02020503060305020303" pitchFamily="18" charset="0"/>
+              </a:rPr>
+              <a:t>Hours-per-week</a:t>
+            </a:r>
+          </a:p>
+        </p:txBody>
+      </p:sp>
+      <p:pic>
+        <p:nvPicPr>
+          <p:cNvPr id="6" name="Picture 5">
+            <a:extLst>
+              <a:ext uri="{FF2B5EF4-FFF2-40B4-BE49-F238E27FC236}">
+                <a16:creationId xmlns:a16="http://schemas.microsoft.com/office/drawing/2014/main" id="{460BB383-B227-0067-C1F2-487B7604E46C}"/>
+              </a:ext>
+            </a:extLst>
+          </p:cNvPr>
+          <p:cNvPicPr>
+            <a:picLocks noChangeAspect="1"/>
+          </p:cNvPicPr>
+          <p:nvPr/>
+        </p:nvPicPr>
+        <p:blipFill>
+          <a:blip r:embed="rId2"/>
+          <a:stretch>
+            <a:fillRect/>
+          </a:stretch>
+        </p:blipFill>
+        <p:spPr>
+          <a:xfrm>
+            <a:off x="442117" y="1236347"/>
+            <a:ext cx="6426769" cy="5208753"/>
+          </a:xfrm>
+          <a:prstGeom prst="rect">
+            <a:avLst/>
+          </a:prstGeom>
+        </p:spPr>
+      </p:pic>
+    </p:spTree>
+    <p:extLst>
+      <p:ext uri="{BB962C8B-B14F-4D97-AF65-F5344CB8AC3E}">
+        <p14:creationId xmlns:p14="http://schemas.microsoft.com/office/powerpoint/2010/main" val="2806934366"/>
+      </p:ext>
+    </p:extLst>
+  </p:cSld>
+  <p:clrMapOvr>
+    <a:masterClrMapping/>
+  </p:clrMapOvr>
+</p:sld>
+</file>
+
+<file path=ppt/slides/slide12.xml><?xml version="1.0" encoding="utf-8"?>
+<p:sld xmlns:a="http://schemas.openxmlformats.org/drawingml/2006/main" xmlns:r="http://schemas.openxmlformats.org/officeDocument/2006/relationships" xmlns:p="http://schemas.openxmlformats.org/presentationml/2006/main">
+  <p:cSld>
+    <p:spTree>
+      <p:nvGrpSpPr>
+        <p:cNvPr id="1" name=""/>
+        <p:cNvGrpSpPr/>
+        <p:nvPr/>
+      </p:nvGrpSpPr>
+      <p:grpSpPr>
+        <a:xfrm>
+          <a:off x="0" y="0"/>
+          <a:ext cx="0" cy="0"/>
+          <a:chOff x="0" y="0"/>
+          <a:chExt cx="0" cy="0"/>
+        </a:xfrm>
+      </p:grpSpPr>
+      <p:sp>
+        <p:nvSpPr>
+          <p:cNvPr id="3" name="TextBox 2">
+            <a:extLst>
+              <a:ext uri="{FF2B5EF4-FFF2-40B4-BE49-F238E27FC236}">
+                <a16:creationId xmlns:a16="http://schemas.microsoft.com/office/drawing/2014/main" id="{518CB533-9260-9CA5-75E6-379C9DEC3566}"/>
+              </a:ext>
+            </a:extLst>
+          </p:cNvPr>
+          <p:cNvSpPr txBox="1"/>
+          <p:nvPr/>
+        </p:nvSpPr>
+        <p:spPr>
+          <a:xfrm>
+            <a:off x="881743" y="0"/>
+            <a:ext cx="6096000" cy="425501"/>
+          </a:xfrm>
+          <a:prstGeom prst="rect">
+            <a:avLst/>
+          </a:prstGeom>
+          <a:noFill/>
+        </p:spPr>
+        <p:txBody>
+          <a:bodyPr wrap="square">
+            <a:spAutoFit/>
+          </a:bodyPr>
+          <a:lstStyle/>
+          <a:p>
+            <a:pPr marL="0" marR="0">
+              <a:lnSpc>
+                <a:spcPct val="115000"/>
+              </a:lnSpc>
+              <a:spcBef>
+                <a:spcPts val="0"/>
+              </a:spcBef>
+              <a:spcAft>
+                <a:spcPts val="0"/>
+              </a:spcAft>
+            </a:pPr>
+            <a:r>
+              <a:rPr lang="en-US" sz="2000" b="1" dirty="0">
+                <a:solidFill>
+                  <a:schemeClr val="bg1"/>
+                </a:solidFill>
+                <a:effectLst/>
+                <a:latin typeface="Calibri" panose="020F0502020204030204" pitchFamily="34" charset="0"/>
+                <a:ea typeface="MS Mincho" panose="02020609040205080304" pitchFamily="49" charset="-128"/>
+                <a:cs typeface="Times New Roman" panose="02020603050405020304" pitchFamily="18" charset="0"/>
+              </a:rPr>
+              <a:t>Data Preprocessing</a:t>
+            </a:r>
+          </a:p>
+        </p:txBody>
+      </p:sp>
+      <p:sp>
+        <p:nvSpPr>
+          <p:cNvPr id="5" name="TextBox 4">
+            <a:extLst>
+              <a:ext uri="{FF2B5EF4-FFF2-40B4-BE49-F238E27FC236}">
+                <a16:creationId xmlns:a16="http://schemas.microsoft.com/office/drawing/2014/main" id="{E7781201-8FDF-4EFE-0FE8-07BCF259FEFA}"/>
+              </a:ext>
+            </a:extLst>
+          </p:cNvPr>
+          <p:cNvSpPr txBox="1"/>
+          <p:nvPr/>
+        </p:nvSpPr>
+        <p:spPr>
+          <a:xfrm>
+            <a:off x="1513114" y="1072107"/>
+            <a:ext cx="6096000" cy="625428"/>
+          </a:xfrm>
+          <a:prstGeom prst="rect">
+            <a:avLst/>
+          </a:prstGeom>
+          <a:noFill/>
+        </p:spPr>
+        <p:txBody>
+          <a:bodyPr wrap="square">
+            <a:spAutoFit/>
+          </a:bodyPr>
+          <a:lstStyle/>
+          <a:p>
+            <a:pPr marL="0" marR="0">
+              <a:lnSpc>
+                <a:spcPct val="115000"/>
+              </a:lnSpc>
+              <a:spcBef>
+                <a:spcPts val="0"/>
+              </a:spcBef>
+              <a:spcAft>
+                <a:spcPts val="0"/>
+              </a:spcAft>
+            </a:pPr>
+            <a:r>
+              <a:rPr lang="en-US" sz="3200" b="1" dirty="0">
+                <a:solidFill>
+                  <a:srgbClr val="FFFF00"/>
+                </a:solidFill>
+                <a:effectLst/>
+                <a:latin typeface="Calibri" panose="020F0502020204030204" pitchFamily="34" charset="0"/>
+                <a:ea typeface="MS Mincho" panose="02020609040205080304" pitchFamily="49" charset="-128"/>
+                <a:cs typeface="Times New Roman" panose="02020603050405020304" pitchFamily="18" charset="0"/>
+              </a:rPr>
+              <a:t>Fixing ‘?’ values in the dataset</a:t>
+            </a:r>
+          </a:p>
+        </p:txBody>
+      </p:sp>
+      <p:sp>
+        <p:nvSpPr>
+          <p:cNvPr id="6" name="TextBox 5">
+            <a:extLst>
+              <a:ext uri="{FF2B5EF4-FFF2-40B4-BE49-F238E27FC236}">
+                <a16:creationId xmlns:a16="http://schemas.microsoft.com/office/drawing/2014/main" id="{BA1E76A0-DA3A-24A0-74AA-77CACF6835A1}"/>
+              </a:ext>
+            </a:extLst>
+          </p:cNvPr>
+          <p:cNvSpPr txBox="1"/>
+          <p:nvPr/>
+        </p:nvSpPr>
+        <p:spPr>
+          <a:xfrm>
+            <a:off x="2841171" y="1910306"/>
+            <a:ext cx="8860972" cy="625428"/>
+          </a:xfrm>
+          <a:prstGeom prst="rect">
+            <a:avLst/>
+          </a:prstGeom>
+          <a:noFill/>
+        </p:spPr>
+        <p:txBody>
+          <a:bodyPr wrap="square">
+            <a:spAutoFit/>
+          </a:bodyPr>
+          <a:lstStyle/>
+          <a:p>
+            <a:pPr marL="0" marR="0">
+              <a:lnSpc>
+                <a:spcPct val="115000"/>
+              </a:lnSpc>
+              <a:spcBef>
+                <a:spcPts val="0"/>
+              </a:spcBef>
+              <a:spcAft>
+                <a:spcPts val="0"/>
+              </a:spcAft>
+            </a:pPr>
+            <a:r>
+              <a:rPr lang="en-US" sz="3200" dirty="0">
+                <a:solidFill>
+                  <a:srgbClr val="FFC000"/>
+                </a:solidFill>
+                <a:effectLst/>
+                <a:latin typeface="Calibri" panose="020F0502020204030204" pitchFamily="34" charset="0"/>
+                <a:ea typeface="MS Mincho" panose="02020609040205080304" pitchFamily="49" charset="-128"/>
+                <a:cs typeface="Times New Roman" panose="02020603050405020304" pitchFamily="18" charset="0"/>
+              </a:rPr>
+              <a:t>By replacing them with most occurring value</a:t>
+            </a:r>
+          </a:p>
+        </p:txBody>
+      </p:sp>
+      <p:sp>
+        <p:nvSpPr>
+          <p:cNvPr id="8" name="TextBox 7">
+            <a:extLst>
+              <a:ext uri="{FF2B5EF4-FFF2-40B4-BE49-F238E27FC236}">
+                <a16:creationId xmlns:a16="http://schemas.microsoft.com/office/drawing/2014/main" id="{52CE5DC2-312D-C09B-DF0E-0F2FD0E15888}"/>
+              </a:ext>
+            </a:extLst>
+          </p:cNvPr>
+          <p:cNvSpPr txBox="1"/>
+          <p:nvPr/>
+        </p:nvSpPr>
+        <p:spPr>
+          <a:xfrm>
+            <a:off x="1513114" y="3036841"/>
+            <a:ext cx="6096000" cy="625428"/>
+          </a:xfrm>
+          <a:prstGeom prst="rect">
+            <a:avLst/>
+          </a:prstGeom>
+          <a:noFill/>
+        </p:spPr>
+        <p:txBody>
+          <a:bodyPr wrap="square">
+            <a:spAutoFit/>
+          </a:bodyPr>
+          <a:lstStyle/>
+          <a:p>
+            <a:pPr marL="0" marR="0">
+              <a:lnSpc>
+                <a:spcPct val="115000"/>
+              </a:lnSpc>
+              <a:spcBef>
+                <a:spcPts val="0"/>
+              </a:spcBef>
+              <a:spcAft>
+                <a:spcPts val="0"/>
+              </a:spcAft>
+            </a:pPr>
+            <a:r>
+              <a:rPr lang="en-US" sz="3200" b="1" dirty="0">
+                <a:solidFill>
+                  <a:srgbClr val="FFFF00"/>
+                </a:solidFill>
+                <a:effectLst/>
+                <a:latin typeface="Calibri" panose="020F0502020204030204" pitchFamily="34" charset="0"/>
+                <a:ea typeface="MS Mincho" panose="02020609040205080304" pitchFamily="49" charset="-128"/>
+                <a:cs typeface="Times New Roman" panose="02020603050405020304" pitchFamily="18" charset="0"/>
+              </a:rPr>
+              <a:t>Feature Selecting</a:t>
+            </a:r>
+          </a:p>
+        </p:txBody>
+      </p:sp>
+      <p:sp>
+        <p:nvSpPr>
+          <p:cNvPr id="9" name="TextBox 8">
+            <a:extLst>
+              <a:ext uri="{FF2B5EF4-FFF2-40B4-BE49-F238E27FC236}">
+                <a16:creationId xmlns:a16="http://schemas.microsoft.com/office/drawing/2014/main" id="{D2DA2DE5-EB06-CA52-65EB-AFFF7D7FE4EC}"/>
+              </a:ext>
+            </a:extLst>
+          </p:cNvPr>
+          <p:cNvSpPr txBox="1"/>
+          <p:nvPr/>
+        </p:nvSpPr>
+        <p:spPr>
+          <a:xfrm>
+            <a:off x="2841171" y="3765638"/>
+            <a:ext cx="8860972" cy="625428"/>
+          </a:xfrm>
+          <a:prstGeom prst="rect">
+            <a:avLst/>
+          </a:prstGeom>
+          <a:noFill/>
+        </p:spPr>
+        <p:txBody>
+          <a:bodyPr wrap="square">
+            <a:spAutoFit/>
+          </a:bodyPr>
+          <a:lstStyle/>
+          <a:p>
+            <a:pPr marL="0" marR="0">
+              <a:lnSpc>
+                <a:spcPct val="115000"/>
+              </a:lnSpc>
+              <a:spcBef>
+                <a:spcPts val="0"/>
+              </a:spcBef>
+              <a:spcAft>
+                <a:spcPts val="0"/>
+              </a:spcAft>
+            </a:pPr>
+            <a:r>
+              <a:rPr lang="en-US" sz="3200" dirty="0">
+                <a:solidFill>
+                  <a:srgbClr val="FFC000"/>
+                </a:solidFill>
+                <a:latin typeface="Calibri" panose="020F0502020204030204" pitchFamily="34" charset="0"/>
+                <a:ea typeface="MS Mincho" panose="02020609040205080304" pitchFamily="49" charset="-128"/>
+                <a:cs typeface="Times New Roman" panose="02020603050405020304" pitchFamily="18" charset="0"/>
+              </a:rPr>
+              <a:t>Dropped feature: ‘</a:t>
+            </a:r>
+            <a:r>
+              <a:rPr lang="en-US" sz="3200" dirty="0" err="1">
+                <a:solidFill>
+                  <a:srgbClr val="FFC000"/>
+                </a:solidFill>
+                <a:latin typeface="Calibri" panose="020F0502020204030204" pitchFamily="34" charset="0"/>
+                <a:ea typeface="MS Mincho" panose="02020609040205080304" pitchFamily="49" charset="-128"/>
+                <a:cs typeface="Times New Roman" panose="02020603050405020304" pitchFamily="18" charset="0"/>
+              </a:rPr>
+              <a:t>fnlwgt</a:t>
+            </a:r>
+            <a:r>
+              <a:rPr lang="en-US" sz="3200" dirty="0">
+                <a:solidFill>
+                  <a:srgbClr val="FFC000"/>
+                </a:solidFill>
+                <a:latin typeface="Calibri" panose="020F0502020204030204" pitchFamily="34" charset="0"/>
+                <a:ea typeface="MS Mincho" panose="02020609040205080304" pitchFamily="49" charset="-128"/>
+                <a:cs typeface="Times New Roman" panose="02020603050405020304" pitchFamily="18" charset="0"/>
+              </a:rPr>
+              <a:t>’ and ‘capital-loss’</a:t>
+            </a:r>
+            <a:endParaRPr lang="en-US" sz="3200" dirty="0">
+              <a:solidFill>
+                <a:srgbClr val="FFC000"/>
+              </a:solidFill>
+              <a:effectLst/>
+              <a:latin typeface="Calibri" panose="020F0502020204030204" pitchFamily="34" charset="0"/>
+              <a:ea typeface="MS Mincho" panose="02020609040205080304" pitchFamily="49" charset="-128"/>
+              <a:cs typeface="Times New Roman" panose="02020603050405020304" pitchFamily="18" charset="0"/>
+            </a:endParaRPr>
+          </a:p>
+        </p:txBody>
+      </p:sp>
+      <p:sp>
+        <p:nvSpPr>
+          <p:cNvPr id="10" name="TextBox 9">
+            <a:extLst>
+              <a:ext uri="{FF2B5EF4-FFF2-40B4-BE49-F238E27FC236}">
+                <a16:creationId xmlns:a16="http://schemas.microsoft.com/office/drawing/2014/main" id="{2A5FE1B4-CB64-5168-657B-006367A494E5}"/>
+              </a:ext>
+            </a:extLst>
+          </p:cNvPr>
+          <p:cNvSpPr txBox="1"/>
+          <p:nvPr/>
+        </p:nvSpPr>
+        <p:spPr>
+          <a:xfrm>
+            <a:off x="1393371" y="4892173"/>
+            <a:ext cx="6096000" cy="625428"/>
+          </a:xfrm>
+          <a:prstGeom prst="rect">
+            <a:avLst/>
+          </a:prstGeom>
+          <a:noFill/>
+        </p:spPr>
+        <p:txBody>
+          <a:bodyPr wrap="square">
+            <a:spAutoFit/>
+          </a:bodyPr>
+          <a:lstStyle/>
+          <a:p>
+            <a:pPr marL="0" marR="0">
+              <a:lnSpc>
+                <a:spcPct val="115000"/>
+              </a:lnSpc>
+              <a:spcBef>
+                <a:spcPts val="0"/>
+              </a:spcBef>
+              <a:spcAft>
+                <a:spcPts val="0"/>
+              </a:spcAft>
+            </a:pPr>
+            <a:r>
+              <a:rPr lang="en-US" sz="3200" b="1" dirty="0">
+                <a:solidFill>
+                  <a:srgbClr val="FFFF00"/>
+                </a:solidFill>
+                <a:effectLst/>
+                <a:latin typeface="Calibri" panose="020F0502020204030204" pitchFamily="34" charset="0"/>
+                <a:ea typeface="MS Mincho" panose="02020609040205080304" pitchFamily="49" charset="-128"/>
+                <a:cs typeface="Times New Roman" panose="02020603050405020304" pitchFamily="18" charset="0"/>
+              </a:rPr>
+              <a:t>Fixing Imbalance Dataset</a:t>
+            </a:r>
+          </a:p>
+        </p:txBody>
+      </p:sp>
+      <p:sp>
+        <p:nvSpPr>
+          <p:cNvPr id="11" name="TextBox 10">
+            <a:extLst>
+              <a:ext uri="{FF2B5EF4-FFF2-40B4-BE49-F238E27FC236}">
+                <a16:creationId xmlns:a16="http://schemas.microsoft.com/office/drawing/2014/main" id="{211FC5F2-AE59-DC07-F731-A35F83957982}"/>
+              </a:ext>
+            </a:extLst>
+          </p:cNvPr>
+          <p:cNvSpPr txBox="1"/>
+          <p:nvPr/>
+        </p:nvSpPr>
+        <p:spPr>
+          <a:xfrm>
+            <a:off x="2841171" y="5620970"/>
+            <a:ext cx="8860972" cy="625428"/>
+          </a:xfrm>
+          <a:prstGeom prst="rect">
+            <a:avLst/>
+          </a:prstGeom>
+          <a:noFill/>
+        </p:spPr>
+        <p:txBody>
+          <a:bodyPr wrap="square">
+            <a:spAutoFit/>
+          </a:bodyPr>
+          <a:lstStyle/>
+          <a:p>
+            <a:pPr marL="0" marR="0">
+              <a:lnSpc>
+                <a:spcPct val="115000"/>
+              </a:lnSpc>
+              <a:spcBef>
+                <a:spcPts val="0"/>
+              </a:spcBef>
+              <a:spcAft>
+                <a:spcPts val="0"/>
+              </a:spcAft>
+            </a:pPr>
+            <a:r>
+              <a:rPr lang="en-US" sz="3200" dirty="0">
+                <a:solidFill>
+                  <a:srgbClr val="FFC000"/>
+                </a:solidFill>
+                <a:latin typeface="Calibri" panose="020F0502020204030204" pitchFamily="34" charset="0"/>
+                <a:ea typeface="MS Mincho" panose="02020609040205080304" pitchFamily="49" charset="-128"/>
+                <a:cs typeface="Times New Roman" panose="02020603050405020304" pitchFamily="18" charset="0"/>
+              </a:rPr>
+              <a:t>We fixed this problem by oversampling technique</a:t>
+            </a:r>
+            <a:endParaRPr lang="en-US" sz="3200" dirty="0">
+              <a:solidFill>
+                <a:srgbClr val="FFC000"/>
+              </a:solidFill>
+              <a:effectLst/>
+              <a:latin typeface="Calibri" panose="020F0502020204030204" pitchFamily="34" charset="0"/>
+              <a:ea typeface="MS Mincho" panose="02020609040205080304" pitchFamily="49" charset="-128"/>
+              <a:cs typeface="Times New Roman" panose="02020603050405020304" pitchFamily="18" charset="0"/>
+            </a:endParaRPr>
+          </a:p>
+        </p:txBody>
+      </p:sp>
+    </p:spTree>
+    <p:extLst>
+      <p:ext uri="{BB962C8B-B14F-4D97-AF65-F5344CB8AC3E}">
+        <p14:creationId xmlns:p14="http://schemas.microsoft.com/office/powerpoint/2010/main" val="803103033"/>
+      </p:ext>
+    </p:extLst>
+  </p:cSld>
+  <p:clrMapOvr>
+    <a:masterClrMapping/>
+  </p:clrMapOvr>
+</p:sld>
+</file>
+
+<file path=ppt/slides/slide13.xml><?xml version="1.0" encoding="utf-8"?>
+<p:sld xmlns:a="http://schemas.openxmlformats.org/drawingml/2006/main" xmlns:r="http://schemas.openxmlformats.org/officeDocument/2006/relationships" xmlns:p="http://schemas.openxmlformats.org/presentationml/2006/main">
+  <p:cSld>
+    <p:spTree>
+      <p:nvGrpSpPr>
+        <p:cNvPr id="1" name=""/>
+        <p:cNvGrpSpPr/>
+        <p:nvPr/>
+      </p:nvGrpSpPr>
+      <p:grpSpPr>
+        <a:xfrm>
+          <a:off x="0" y="0"/>
+          <a:ext cx="0" cy="0"/>
+          <a:chOff x="0" y="0"/>
+          <a:chExt cx="0" cy="0"/>
+        </a:xfrm>
+      </p:grpSpPr>
+      <p:sp>
+        <p:nvSpPr>
+          <p:cNvPr id="2" name="TextBox 1">
+            <a:extLst>
+              <a:ext uri="{FF2B5EF4-FFF2-40B4-BE49-F238E27FC236}">
+                <a16:creationId xmlns:a16="http://schemas.microsoft.com/office/drawing/2014/main" id="{488BA8D2-48E6-D8F6-6AAC-4A113B709B6A}"/>
+              </a:ext>
+            </a:extLst>
+          </p:cNvPr>
+          <p:cNvSpPr txBox="1"/>
+          <p:nvPr/>
+        </p:nvSpPr>
+        <p:spPr>
+          <a:xfrm>
+            <a:off x="881743" y="0"/>
+            <a:ext cx="6096000" cy="425501"/>
+          </a:xfrm>
+          <a:prstGeom prst="rect">
+            <a:avLst/>
+          </a:prstGeom>
+          <a:noFill/>
+        </p:spPr>
+        <p:txBody>
+          <a:bodyPr wrap="square">
+            <a:spAutoFit/>
+          </a:bodyPr>
+          <a:lstStyle/>
+          <a:p>
+            <a:pPr marL="0" marR="0">
+              <a:lnSpc>
+                <a:spcPct val="115000"/>
+              </a:lnSpc>
+              <a:spcBef>
+                <a:spcPts val="0"/>
+              </a:spcBef>
+              <a:spcAft>
+                <a:spcPts val="0"/>
+              </a:spcAft>
+            </a:pPr>
+            <a:r>
+              <a:rPr lang="en-US" sz="2000" b="1" dirty="0">
+                <a:solidFill>
+                  <a:schemeClr val="bg1"/>
+                </a:solidFill>
+                <a:effectLst/>
+                <a:latin typeface="Calibri" panose="020F0502020204030204" pitchFamily="34" charset="0"/>
+                <a:ea typeface="MS Mincho" panose="02020609040205080304" pitchFamily="49" charset="-128"/>
+                <a:cs typeface="Times New Roman" panose="02020603050405020304" pitchFamily="18" charset="0"/>
+              </a:rPr>
+              <a:t>Data Modeling</a:t>
+            </a:r>
+          </a:p>
+        </p:txBody>
+      </p:sp>
+      <p:pic>
+        <p:nvPicPr>
+          <p:cNvPr id="4" name="Picture 3">
+            <a:extLst>
+              <a:ext uri="{FF2B5EF4-FFF2-40B4-BE49-F238E27FC236}">
+                <a16:creationId xmlns:a16="http://schemas.microsoft.com/office/drawing/2014/main" id="{4C43A960-C788-840C-CAB5-3A2375E0809C}"/>
+              </a:ext>
+            </a:extLst>
+          </p:cNvPr>
+          <p:cNvPicPr>
+            <a:picLocks noChangeAspect="1"/>
+          </p:cNvPicPr>
+          <p:nvPr/>
+        </p:nvPicPr>
+        <p:blipFill>
+          <a:blip r:embed="rId2"/>
+          <a:stretch>
+            <a:fillRect/>
+          </a:stretch>
+        </p:blipFill>
+        <p:spPr>
+          <a:xfrm>
+            <a:off x="1458687" y="425501"/>
+            <a:ext cx="9122228" cy="6269213"/>
+          </a:xfrm>
+          <a:prstGeom prst="rect">
+            <a:avLst/>
+          </a:prstGeom>
+        </p:spPr>
+      </p:pic>
+    </p:spTree>
+    <p:extLst>
+      <p:ext uri="{BB962C8B-B14F-4D97-AF65-F5344CB8AC3E}">
+        <p14:creationId xmlns:p14="http://schemas.microsoft.com/office/powerpoint/2010/main" val="69390191"/>
+      </p:ext>
+    </p:extLst>
+  </p:cSld>
+  <p:clrMapOvr>
+    <a:masterClrMapping/>
+  </p:clrMapOvr>
+</p:sld>
+</file>
+
+<file path=ppt/slides/slide14.xml><?xml version="1.0" encoding="utf-8"?>
+<p:sld xmlns:a="http://schemas.openxmlformats.org/drawingml/2006/main" xmlns:r="http://schemas.openxmlformats.org/officeDocument/2006/relationships" xmlns:p="http://schemas.openxmlformats.org/presentationml/2006/main">
+  <p:cSld>
+    <p:spTree>
+      <p:nvGrpSpPr>
+        <p:cNvPr id="1" name=""/>
+        <p:cNvGrpSpPr/>
+        <p:nvPr/>
+      </p:nvGrpSpPr>
+      <p:grpSpPr>
+        <a:xfrm>
+          <a:off x="0" y="0"/>
+          <a:ext cx="0" cy="0"/>
+          <a:chOff x="0" y="0"/>
+          <a:chExt cx="0" cy="0"/>
+        </a:xfrm>
+      </p:grpSpPr>
+      <p:pic>
+        <p:nvPicPr>
+          <p:cNvPr id="3" name="Picture 2">
+            <a:extLst>
+              <a:ext uri="{FF2B5EF4-FFF2-40B4-BE49-F238E27FC236}">
+                <a16:creationId xmlns:a16="http://schemas.microsoft.com/office/drawing/2014/main" id="{8E30F00D-6B19-A993-3EB0-6CFBDFCDDBE8}"/>
+              </a:ext>
+            </a:extLst>
+          </p:cNvPr>
+          <p:cNvPicPr>
+            <a:picLocks noChangeAspect="1"/>
+          </p:cNvPicPr>
+          <p:nvPr/>
+        </p:nvPicPr>
+        <p:blipFill>
+          <a:blip r:embed="rId2"/>
+          <a:stretch>
+            <a:fillRect/>
+          </a:stretch>
+        </p:blipFill>
+        <p:spPr>
+          <a:xfrm>
+            <a:off x="1243080" y="926127"/>
+            <a:ext cx="9890769" cy="4005101"/>
+          </a:xfrm>
+          <a:prstGeom prst="rect">
+            <a:avLst/>
+          </a:prstGeom>
+        </p:spPr>
+      </p:pic>
+      <p:sp>
+        <p:nvSpPr>
+          <p:cNvPr id="5" name="TextBox 4">
+            <a:extLst>
+              <a:ext uri="{FF2B5EF4-FFF2-40B4-BE49-F238E27FC236}">
+                <a16:creationId xmlns:a16="http://schemas.microsoft.com/office/drawing/2014/main" id="{C55C893F-6A67-BA9A-2E54-91C573F1B809}"/>
+              </a:ext>
+            </a:extLst>
+          </p:cNvPr>
+          <p:cNvSpPr txBox="1"/>
+          <p:nvPr/>
+        </p:nvSpPr>
+        <p:spPr>
+          <a:xfrm>
+            <a:off x="283029" y="5098696"/>
+            <a:ext cx="11713028" cy="1487330"/>
+          </a:xfrm>
+          <a:prstGeom prst="rect">
+            <a:avLst/>
+          </a:prstGeom>
+          <a:noFill/>
+        </p:spPr>
+        <p:txBody>
+          <a:bodyPr wrap="square">
+            <a:spAutoFit/>
+          </a:bodyPr>
+          <a:lstStyle/>
+          <a:p>
+            <a:pPr marL="0" marR="0">
+              <a:lnSpc>
+                <a:spcPct val="115000"/>
+              </a:lnSpc>
+              <a:spcBef>
+                <a:spcPts val="0"/>
+              </a:spcBef>
+              <a:spcAft>
+                <a:spcPts val="0"/>
+              </a:spcAft>
+            </a:pPr>
+            <a:r>
+              <a:rPr lang="en-US" sz="2000" b="0" dirty="0">
+                <a:solidFill>
+                  <a:srgbClr val="FFFF00"/>
+                </a:solidFill>
+                <a:effectLst/>
+                <a:latin typeface="Calibri" panose="020F0502020204030204" pitchFamily="34" charset="0"/>
+                <a:ea typeface="MS Mincho" panose="02020609040205080304" pitchFamily="49" charset="-128"/>
+                <a:cs typeface="Times New Roman" panose="02020603050405020304" pitchFamily="18" charset="0"/>
+              </a:rPr>
+              <a:t>In this project, I build various models like logistic regression, KNN classifier, support vector classifier, decision tree classifier, random forest classifier and </a:t>
+            </a:r>
+            <a:r>
+              <a:rPr lang="en-US" sz="2000" b="0" dirty="0" err="1">
+                <a:solidFill>
+                  <a:srgbClr val="FFFF00"/>
+                </a:solidFill>
+                <a:effectLst/>
+                <a:latin typeface="Calibri" panose="020F0502020204030204" pitchFamily="34" charset="0"/>
+                <a:ea typeface="MS Mincho" panose="02020609040205080304" pitchFamily="49" charset="-128"/>
+                <a:cs typeface="Times New Roman" panose="02020603050405020304" pitchFamily="18" charset="0"/>
+              </a:rPr>
+              <a:t>XGboost</a:t>
+            </a:r>
+            <a:r>
+              <a:rPr lang="en-US" sz="2000" b="0" dirty="0">
+                <a:solidFill>
+                  <a:srgbClr val="FFFF00"/>
+                </a:solidFill>
+                <a:effectLst/>
+                <a:latin typeface="Calibri" panose="020F0502020204030204" pitchFamily="34" charset="0"/>
+                <a:ea typeface="MS Mincho" panose="02020609040205080304" pitchFamily="49" charset="-128"/>
+                <a:cs typeface="Times New Roman" panose="02020603050405020304" pitchFamily="18" charset="0"/>
+              </a:rPr>
+              <a:t> classifier.</a:t>
+            </a:r>
+            <a:endParaRPr lang="en-US" sz="2400" b="1" dirty="0">
+              <a:solidFill>
+                <a:srgbClr val="FFFF00"/>
+              </a:solidFill>
+              <a:effectLst/>
+              <a:latin typeface="Calibri" panose="020F0502020204030204" pitchFamily="34" charset="0"/>
+              <a:ea typeface="MS Mincho" panose="02020609040205080304" pitchFamily="49" charset="-128"/>
+              <a:cs typeface="Times New Roman" panose="02020603050405020304" pitchFamily="18" charset="0"/>
+            </a:endParaRPr>
+          </a:p>
+          <a:p>
+            <a:pPr marL="0" marR="0">
+              <a:lnSpc>
+                <a:spcPct val="115000"/>
+              </a:lnSpc>
+              <a:spcBef>
+                <a:spcPts val="0"/>
+              </a:spcBef>
+              <a:spcAft>
+                <a:spcPts val="0"/>
+              </a:spcAft>
+            </a:pPr>
+            <a:r>
+              <a:rPr lang="en-US" sz="2000" b="0" dirty="0">
+                <a:solidFill>
+                  <a:srgbClr val="FFFF00"/>
+                </a:solidFill>
+                <a:effectLst/>
+                <a:latin typeface="Calibri" panose="020F0502020204030204" pitchFamily="34" charset="0"/>
+                <a:ea typeface="MS Mincho" panose="02020609040205080304" pitchFamily="49" charset="-128"/>
+                <a:cs typeface="Times New Roman" panose="02020603050405020304" pitchFamily="18" charset="0"/>
+              </a:rPr>
+              <a:t>A Random Forest Classifier (without hyper parameter tunned) gives the highest accuracy score of 90.50% and f1 score of 90.90%.</a:t>
+            </a:r>
+            <a:endParaRPr lang="en-US" sz="2400" b="1" dirty="0">
+              <a:solidFill>
+                <a:srgbClr val="FFFF00"/>
+              </a:solidFill>
+              <a:effectLst/>
+              <a:latin typeface="Calibri" panose="020F0502020204030204" pitchFamily="34" charset="0"/>
+              <a:ea typeface="MS Mincho" panose="02020609040205080304" pitchFamily="49" charset="-128"/>
+              <a:cs typeface="Times New Roman" panose="02020603050405020304" pitchFamily="18" charset="0"/>
+            </a:endParaRPr>
+          </a:p>
+        </p:txBody>
+      </p:sp>
+    </p:spTree>
+    <p:extLst>
+      <p:ext uri="{BB962C8B-B14F-4D97-AF65-F5344CB8AC3E}">
+        <p14:creationId xmlns:p14="http://schemas.microsoft.com/office/powerpoint/2010/main" val="3706375523"/>
+      </p:ext>
+    </p:extLst>
+  </p:cSld>
+  <p:clrMapOvr>
+    <a:masterClrMapping/>
+  </p:clrMapOvr>
+</p:sld>
+</file>
+
+<file path=ppt/slides/slide15.xml><?xml version="1.0" encoding="utf-8"?>
 <p:sld xmlns:a="http://schemas.openxmlformats.org/drawingml/2006/main" xmlns:r="http://schemas.openxmlformats.org/officeDocument/2006/relationships" xmlns:p="http://schemas.openxmlformats.org/presentationml/2006/main">
   <p:cSld>
     <p:spTree>
@@ -8912,64 +9603,6 @@
       </p:pic>
       <p:sp>
         <p:nvSpPr>
-          <p:cNvPr id="11" name="TextBox 10">
-            <a:extLst>
-              <a:ext uri="{FF2B5EF4-FFF2-40B4-BE49-F238E27FC236}">
-                <a16:creationId xmlns:a16="http://schemas.microsoft.com/office/drawing/2014/main" id="{CFACE08A-9EC4-431A-9723-EEC08639ED6A}"/>
-              </a:ext>
-            </a:extLst>
-          </p:cNvPr>
-          <p:cNvSpPr txBox="1"/>
-          <p:nvPr/>
-        </p:nvSpPr>
-        <p:spPr>
-          <a:xfrm>
-            <a:off x="288471" y="6115100"/>
-            <a:ext cx="11615057" cy="400110"/>
-          </a:xfrm>
-          <a:prstGeom prst="rect">
-            <a:avLst/>
-          </a:prstGeom>
-          <a:noFill/>
-        </p:spPr>
-        <p:txBody>
-          <a:bodyPr wrap="square" rtlCol="0">
-            <a:spAutoFit/>
-          </a:bodyPr>
-          <a:lstStyle/>
-          <a:p>
-            <a:r>
-              <a:rPr lang="en-US" sz="2000" dirty="0">
-                <a:solidFill>
-                  <a:srgbClr val="FFFF00"/>
-                </a:solidFill>
-                <a:latin typeface="Bell MT" panose="02020503060305020303" pitchFamily="18" charset="0"/>
-              </a:rPr>
-              <a:t>Note: Total 45,222 records left after removing NAN values in </a:t>
-            </a:r>
-            <a:r>
-              <a:rPr lang="en-US" sz="2000" dirty="0" err="1">
-                <a:solidFill>
-                  <a:srgbClr val="FFFF00"/>
-                </a:solidFill>
-                <a:latin typeface="Bell MT" panose="02020503060305020303" pitchFamily="18" charset="0"/>
-              </a:rPr>
-              <a:t>workclass</a:t>
-            </a:r>
-            <a:r>
-              <a:rPr lang="en-US" sz="2000" dirty="0">
-                <a:solidFill>
-                  <a:srgbClr val="FFFF00"/>
-                </a:solidFill>
-                <a:latin typeface="Bell MT" panose="02020503060305020303" pitchFamily="18" charset="0"/>
-              </a:rPr>
-              <a:t>, occupation and native country.</a:t>
-            </a:r>
-          </a:p>
-        </p:txBody>
-      </p:sp>
-      <p:sp>
-        <p:nvSpPr>
           <p:cNvPr id="13" name="Hexagon 12">
             <a:extLst>
               <a:ext uri="{FF2B5EF4-FFF2-40B4-BE49-F238E27FC236}">
@@ -9272,58 +9905,12 @@
           <a:chExt cx="0" cy="0"/>
         </a:xfrm>
       </p:grpSpPr>
-      <p:sp>
-        <p:nvSpPr>
-          <p:cNvPr id="2" name="TextBox 1">
+      <p:pic>
+        <p:nvPicPr>
+          <p:cNvPr id="3" name="Picture 2">
             <a:extLst>
               <a:ext uri="{FF2B5EF4-FFF2-40B4-BE49-F238E27FC236}">
-                <a16:creationId xmlns:a16="http://schemas.microsoft.com/office/drawing/2014/main" id="{8DD5D9EF-F0E4-44DD-BA05-5EB545B0E4EF}"/>
-              </a:ext>
-            </a:extLst>
-          </p:cNvPr>
-          <p:cNvSpPr txBox="1"/>
-          <p:nvPr/>
-        </p:nvSpPr>
-        <p:spPr>
-          <a:xfrm rot="10800000" flipV="1">
-            <a:off x="561860" y="593160"/>
-            <a:ext cx="2732183" cy="400110"/>
-          </a:xfrm>
-          <a:prstGeom prst="rect">
-            <a:avLst/>
-          </a:prstGeom>
-          <a:noFill/>
-        </p:spPr>
-        <p:txBody>
-          <a:bodyPr wrap="square" rtlCol="0">
-            <a:spAutoFit/>
-          </a:bodyPr>
-          <a:lstStyle/>
-          <a:p>
-            <a:r>
-              <a:rPr lang="en-US" sz="2000" dirty="0">
-                <a:solidFill>
-                  <a:srgbClr val="FFFF00"/>
-                </a:solidFill>
-                <a:latin typeface="Baguet Script" panose="00000500000000000000" pitchFamily="2" charset="0"/>
-              </a:rPr>
-              <a:t>Data Assessment</a:t>
-            </a:r>
-            <a:endParaRPr lang="en-US" dirty="0">
-              <a:solidFill>
-                <a:srgbClr val="FFFF00"/>
-              </a:solidFill>
-              <a:latin typeface="Baguet Script" panose="00000500000000000000" pitchFamily="2" charset="0"/>
-            </a:endParaRPr>
-          </a:p>
-        </p:txBody>
-      </p:sp>
-      <p:pic>
-        <p:nvPicPr>
-          <p:cNvPr id="5" name="Picture 4">
-            <a:extLst>
-              <a:ext uri="{FF2B5EF4-FFF2-40B4-BE49-F238E27FC236}">
-                <a16:creationId xmlns:a16="http://schemas.microsoft.com/office/drawing/2014/main" id="{0A6736FD-FFA4-4AD8-8399-3D7C254CCB12}"/>
+                <a16:creationId xmlns:a16="http://schemas.microsoft.com/office/drawing/2014/main" id="{2D784D53-DDB6-4DF5-A3BA-23172CCB0E74}"/>
               </a:ext>
             </a:extLst>
           </p:cNvPr>
@@ -9340,58 +9927,18 @@
         </p:blipFill>
         <p:spPr>
           <a:xfrm>
-            <a:off x="561860" y="1372842"/>
-            <a:ext cx="5824403" cy="4491834"/>
+            <a:off x="2072217" y="682965"/>
+            <a:ext cx="7050012" cy="5281767"/>
           </a:xfrm>
           <a:prstGeom prst="rect">
             <a:avLst/>
           </a:prstGeom>
         </p:spPr>
       </p:pic>
-      <p:sp>
-        <p:nvSpPr>
-          <p:cNvPr id="6" name="TextBox 5">
-            <a:extLst>
-              <a:ext uri="{FF2B5EF4-FFF2-40B4-BE49-F238E27FC236}">
-                <a16:creationId xmlns:a16="http://schemas.microsoft.com/office/drawing/2014/main" id="{619B5118-6697-4DAC-9808-12CA11D66314}"/>
-              </a:ext>
-            </a:extLst>
-          </p:cNvPr>
-          <p:cNvSpPr txBox="1"/>
-          <p:nvPr/>
-        </p:nvSpPr>
-        <p:spPr>
-          <a:xfrm>
-            <a:off x="7326086" y="2307770"/>
-            <a:ext cx="3864974" cy="2062103"/>
-          </a:xfrm>
-          <a:prstGeom prst="rect">
-            <a:avLst/>
-          </a:prstGeom>
-          <a:noFill/>
-        </p:spPr>
-        <p:txBody>
-          <a:bodyPr wrap="square" rtlCol="0">
-            <a:spAutoFit/>
-          </a:bodyPr>
-          <a:lstStyle/>
-          <a:p>
-            <a:r>
-              <a:rPr lang="en-US" sz="3200" b="1" dirty="0">
-                <a:solidFill>
-                  <a:srgbClr val="FFC000"/>
-                </a:solidFill>
-                <a:latin typeface="Bell MT" panose="02020503060305020303" pitchFamily="18" charset="0"/>
-              </a:rPr>
-              <a:t>50 percentile adults have completed Higher secondary to Bachelors Degree </a:t>
-            </a:r>
-          </a:p>
-        </p:txBody>
-      </p:sp>
     </p:spTree>
     <p:extLst>
       <p:ext uri="{BB962C8B-B14F-4D97-AF65-F5344CB8AC3E}">
-        <p14:creationId xmlns:p14="http://schemas.microsoft.com/office/powerpoint/2010/main" val="3350573770"/>
+        <p14:creationId xmlns:p14="http://schemas.microsoft.com/office/powerpoint/2010/main" val="4252302006"/>
       </p:ext>
     </p:extLst>
   </p:cSld>
@@ -9420,10 +9967,10 @@
       </p:grpSpPr>
       <p:sp>
         <p:nvSpPr>
-          <p:cNvPr id="2" name="TextBox 1">
+          <p:cNvPr id="3" name="TextBox 2">
             <a:extLst>
               <a:ext uri="{FF2B5EF4-FFF2-40B4-BE49-F238E27FC236}">
-                <a16:creationId xmlns:a16="http://schemas.microsoft.com/office/drawing/2014/main" id="{8DD5D9EF-F0E4-44DD-BA05-5EB545B0E4EF}"/>
+                <a16:creationId xmlns:a16="http://schemas.microsoft.com/office/drawing/2014/main" id="{0EFB0998-5C2A-69B2-56B8-A8644A514C2B}"/>
               </a:ext>
             </a:extLst>
           </p:cNvPr>
@@ -9431,9 +9978,9 @@
           <p:nvPr/>
         </p:nvSpPr>
         <p:spPr>
-          <a:xfrm rot="10800000" flipV="1">
-            <a:off x="561860" y="593160"/>
-            <a:ext cx="2732183" cy="400110"/>
+          <a:xfrm>
+            <a:off x="664028" y="0"/>
+            <a:ext cx="6096000" cy="425501"/>
           </a:xfrm>
           <a:prstGeom prst="rect">
             <a:avLst/>
@@ -9441,75 +9988,43 @@
           <a:noFill/>
         </p:spPr>
         <p:txBody>
-          <a:bodyPr wrap="square" rtlCol="0">
+          <a:bodyPr wrap="square">
             <a:spAutoFit/>
           </a:bodyPr>
           <a:lstStyle/>
           <a:p>
-            <a:r>
-              <a:rPr lang="en-US" sz="2000" dirty="0">
+            <a:pPr marL="0" marR="0">
+              <a:lnSpc>
+                <a:spcPct val="115000"/>
+              </a:lnSpc>
+              <a:spcBef>
+                <a:spcPts val="0"/>
+              </a:spcBef>
+              <a:spcAft>
+                <a:spcPts val="0"/>
+              </a:spcAft>
+            </a:pPr>
+            <a:r>
+              <a:rPr lang="en-US" sz="2000" b="1" dirty="0">
                 <a:solidFill>
-                  <a:srgbClr val="FFFF00"/>
+                  <a:schemeClr val="bg1"/>
                 </a:solidFill>
-                <a:latin typeface="Baguet Script" panose="00000500000000000000" pitchFamily="2" charset="0"/>
+                <a:effectLst/>
+                <a:latin typeface="Calibri" panose="020F0502020204030204" pitchFamily="34" charset="0"/>
+                <a:ea typeface="MS Mincho" panose="02020609040205080304" pitchFamily="49" charset="-128"/>
+                <a:cs typeface="Times New Roman" panose="02020603050405020304" pitchFamily="18" charset="0"/>
               </a:rPr>
-              <a:t>Data Assessment</a:t>
-            </a:r>
-            <a:endParaRPr lang="en-US" dirty="0">
-              <a:solidFill>
-                <a:srgbClr val="FFFF00"/>
-              </a:solidFill>
-              <a:latin typeface="Baguet Script" panose="00000500000000000000" pitchFamily="2" charset="0"/>
-            </a:endParaRPr>
-          </a:p>
-        </p:txBody>
-      </p:sp>
-      <p:sp>
-        <p:nvSpPr>
-          <p:cNvPr id="6" name="TextBox 5">
+              <a:t>Univariate Analysis</a:t>
+            </a:r>
+          </a:p>
+        </p:txBody>
+      </p:sp>
+      <p:pic>
+        <p:nvPicPr>
+          <p:cNvPr id="7" name="Picture 6">
             <a:extLst>
               <a:ext uri="{FF2B5EF4-FFF2-40B4-BE49-F238E27FC236}">
-                <a16:creationId xmlns:a16="http://schemas.microsoft.com/office/drawing/2014/main" id="{619B5118-6697-4DAC-9808-12CA11D66314}"/>
-              </a:ext>
-            </a:extLst>
-          </p:cNvPr>
-          <p:cNvSpPr txBox="1"/>
-          <p:nvPr/>
-        </p:nvSpPr>
-        <p:spPr>
-          <a:xfrm>
-            <a:off x="7434944" y="2514599"/>
-            <a:ext cx="3864974" cy="1569660"/>
-          </a:xfrm>
-          <a:prstGeom prst="rect">
-            <a:avLst/>
-          </a:prstGeom>
-          <a:noFill/>
-        </p:spPr>
-        <p:txBody>
-          <a:bodyPr wrap="square" rtlCol="0">
-            <a:spAutoFit/>
-          </a:bodyPr>
-          <a:lstStyle/>
-          <a:p>
-            <a:r>
-              <a:rPr lang="en-US" sz="3200" b="1" dirty="0">
-                <a:solidFill>
-                  <a:srgbClr val="FF66CC"/>
-                </a:solidFill>
-                <a:latin typeface="Bell MT" panose="02020503060305020303" pitchFamily="18" charset="0"/>
-              </a:rPr>
-              <a:t>50 percentile adults are working 40 to 45 hours per week.</a:t>
-            </a:r>
-          </a:p>
-        </p:txBody>
-      </p:sp>
-      <p:pic>
-        <p:nvPicPr>
-          <p:cNvPr id="4" name="Picture 3">
-            <a:extLst>
-              <a:ext uri="{FF2B5EF4-FFF2-40B4-BE49-F238E27FC236}">
-                <a16:creationId xmlns:a16="http://schemas.microsoft.com/office/drawing/2014/main" id="{5ABF78D8-25BF-4541-A152-8A354BFD5F45}"/>
+                <a16:creationId xmlns:a16="http://schemas.microsoft.com/office/drawing/2014/main" id="{EA527F19-7FDB-3CF1-3EFC-DD9D301A6C47}"/>
               </a:ext>
             </a:extLst>
           </p:cNvPr>
@@ -9526,8 +10041,8 @@
         </p:blipFill>
         <p:spPr>
           <a:xfrm>
-            <a:off x="561860" y="1407845"/>
-            <a:ext cx="6161860" cy="4856996"/>
+            <a:off x="1432688" y="539924"/>
+            <a:ext cx="9768712" cy="6085279"/>
           </a:xfrm>
           <a:prstGeom prst="rect">
             <a:avLst/>
@@ -9537,7 +10052,7 @@
     </p:spTree>
     <p:extLst>
       <p:ext uri="{BB962C8B-B14F-4D97-AF65-F5344CB8AC3E}">
-        <p14:creationId xmlns:p14="http://schemas.microsoft.com/office/powerpoint/2010/main" val="3335806825"/>
+        <p14:creationId xmlns:p14="http://schemas.microsoft.com/office/powerpoint/2010/main" val="1389525057"/>
       </p:ext>
     </p:extLst>
   </p:cSld>
@@ -9564,58 +10079,12 @@
           <a:chExt cx="0" cy="0"/>
         </a:xfrm>
       </p:grpSpPr>
-      <p:sp>
-        <p:nvSpPr>
-          <p:cNvPr id="2" name="TextBox 1">
+      <p:pic>
+        <p:nvPicPr>
+          <p:cNvPr id="3" name="Picture 2">
             <a:extLst>
               <a:ext uri="{FF2B5EF4-FFF2-40B4-BE49-F238E27FC236}">
-                <a16:creationId xmlns:a16="http://schemas.microsoft.com/office/drawing/2014/main" id="{8DD5D9EF-F0E4-44DD-BA05-5EB545B0E4EF}"/>
-              </a:ext>
-            </a:extLst>
-          </p:cNvPr>
-          <p:cNvSpPr txBox="1"/>
-          <p:nvPr/>
-        </p:nvSpPr>
-        <p:spPr>
-          <a:xfrm rot="10800000" flipV="1">
-            <a:off x="561860" y="593160"/>
-            <a:ext cx="2732183" cy="400110"/>
-          </a:xfrm>
-          <a:prstGeom prst="rect">
-            <a:avLst/>
-          </a:prstGeom>
-          <a:noFill/>
-        </p:spPr>
-        <p:txBody>
-          <a:bodyPr wrap="square" rtlCol="0">
-            <a:spAutoFit/>
-          </a:bodyPr>
-          <a:lstStyle/>
-          <a:p>
-            <a:r>
-              <a:rPr lang="en-US" sz="2000" dirty="0">
-                <a:solidFill>
-                  <a:srgbClr val="FFFF00"/>
-                </a:solidFill>
-                <a:latin typeface="Baguet Script" panose="00000500000000000000" pitchFamily="2" charset="0"/>
-              </a:rPr>
-              <a:t>Data Assessment</a:t>
-            </a:r>
-            <a:endParaRPr lang="en-US" dirty="0">
-              <a:solidFill>
-                <a:srgbClr val="FFFF00"/>
-              </a:solidFill>
-              <a:latin typeface="Baguet Script" panose="00000500000000000000" pitchFamily="2" charset="0"/>
-            </a:endParaRPr>
-          </a:p>
-        </p:txBody>
-      </p:sp>
-      <p:pic>
-        <p:nvPicPr>
-          <p:cNvPr id="4" name="Picture 3">
-            <a:extLst>
-              <a:ext uri="{FF2B5EF4-FFF2-40B4-BE49-F238E27FC236}">
-                <a16:creationId xmlns:a16="http://schemas.microsoft.com/office/drawing/2014/main" id="{98D34920-BA6C-41E2-9FAB-61601FA042FB}"/>
+                <a16:creationId xmlns:a16="http://schemas.microsoft.com/office/drawing/2014/main" id="{0DDB3A68-9FA7-66D8-D1FA-A8B0A2D673E0}"/>
               </a:ext>
             </a:extLst>
           </p:cNvPr>
@@ -9632,103 +10101,18 @@
         </p:blipFill>
         <p:spPr>
           <a:xfrm>
-            <a:off x="637216" y="1236804"/>
-            <a:ext cx="6077502" cy="5248292"/>
+            <a:off x="613072" y="1624441"/>
+            <a:ext cx="11191794" cy="3609118"/>
           </a:xfrm>
           <a:prstGeom prst="rect">
             <a:avLst/>
           </a:prstGeom>
         </p:spPr>
       </p:pic>
-      <p:sp>
-        <p:nvSpPr>
-          <p:cNvPr id="5" name="TextBox 4">
-            <a:extLst>
-              <a:ext uri="{FF2B5EF4-FFF2-40B4-BE49-F238E27FC236}">
-                <a16:creationId xmlns:a16="http://schemas.microsoft.com/office/drawing/2014/main" id="{1B59AA98-A85A-4810-99CC-E7AA7838CADF}"/>
-              </a:ext>
-            </a:extLst>
-          </p:cNvPr>
-          <p:cNvSpPr txBox="1"/>
-          <p:nvPr/>
-        </p:nvSpPr>
-        <p:spPr>
-          <a:xfrm>
-            <a:off x="7146069" y="1443841"/>
-            <a:ext cx="4408715" cy="4154984"/>
-          </a:xfrm>
-          <a:prstGeom prst="rect">
-            <a:avLst/>
-          </a:prstGeom>
-          <a:noFill/>
-        </p:spPr>
-        <p:txBody>
-          <a:bodyPr wrap="square" rtlCol="0">
-            <a:spAutoFit/>
-          </a:bodyPr>
-          <a:lstStyle/>
-          <a:p>
-            <a:r>
-              <a:rPr lang="en-US" sz="3600" dirty="0">
-                <a:solidFill>
-                  <a:srgbClr val="00B0F0"/>
-                </a:solidFill>
-                <a:latin typeface="Bell MT" panose="02020503060305020303" pitchFamily="18" charset="0"/>
-              </a:rPr>
-              <a:t>The correlation matrix shows that income has high correlation with</a:t>
-            </a:r>
-          </a:p>
-          <a:p>
-            <a:pPr marL="571500" indent="-571500">
-              <a:buFont typeface="Wingdings" panose="05000000000000000000" pitchFamily="2" charset="2"/>
-              <a:buChar char="ü"/>
-            </a:pPr>
-            <a:r>
-              <a:rPr lang="en-US" sz="4000" b="1" dirty="0">
-                <a:solidFill>
-                  <a:srgbClr val="00B0F0"/>
-                </a:solidFill>
-                <a:latin typeface="Bell MT" panose="02020503060305020303" pitchFamily="18" charset="0"/>
-              </a:rPr>
-              <a:t> education</a:t>
-            </a:r>
-          </a:p>
-          <a:p>
-            <a:pPr marL="571500" indent="-571500">
-              <a:buFont typeface="Wingdings" panose="05000000000000000000" pitchFamily="2" charset="2"/>
-              <a:buChar char="ü"/>
-            </a:pPr>
-            <a:r>
-              <a:rPr lang="en-US" sz="4000" b="1" dirty="0">
-                <a:solidFill>
-                  <a:srgbClr val="00B0F0"/>
-                </a:solidFill>
-                <a:latin typeface="Bell MT" panose="02020503060305020303" pitchFamily="18" charset="0"/>
-              </a:rPr>
-              <a:t>Age</a:t>
-            </a:r>
-          </a:p>
-          <a:p>
-            <a:pPr marL="571500" indent="-571500">
-              <a:buFont typeface="Wingdings" panose="05000000000000000000" pitchFamily="2" charset="2"/>
-              <a:buChar char="ü"/>
-            </a:pPr>
-            <a:r>
-              <a:rPr lang="en-US" sz="4000" b="1" dirty="0">
-                <a:solidFill>
-                  <a:srgbClr val="00B0F0"/>
-                </a:solidFill>
-                <a:latin typeface="Bell MT" panose="02020503060305020303" pitchFamily="18" charset="0"/>
-              </a:rPr>
-              <a:t>working hours.</a:t>
-            </a:r>
-          </a:p>
-        </p:txBody>
-      </p:sp>
     </p:spTree>
     <p:extLst>
       <p:ext uri="{BB962C8B-B14F-4D97-AF65-F5344CB8AC3E}">
-        <p14:creationId xmlns:p14="http://schemas.microsoft.com/office/powerpoint/2010/main" val="2806934366"/>
+        <p14:creationId xmlns:p14="http://schemas.microsoft.com/office/powerpoint/2010/main" val="2582862227"/>
       </p:ext>
     </p:extLst>
   </p:cSld>
